--- a/SubRoutine Diagrams/Leave System.pptx
+++ b/SubRoutine Diagrams/Leave System.pptx
@@ -5,10 +5,10 @@
     <p:sldMasterId id="2147483648" r:id="rId1"/>
   </p:sldMasterIdLst>
   <p:notesMasterIdLst>
-    <p:notesMasterId r:id="rId9"/>
+    <p:notesMasterId r:id="rId10"/>
   </p:notesMasterIdLst>
   <p:handoutMasterIdLst>
-    <p:handoutMasterId r:id="rId10"/>
+    <p:handoutMasterId r:id="rId11"/>
   </p:handoutMasterIdLst>
   <p:sldIdLst>
     <p:sldId id="265" r:id="rId2"/>
@@ -18,11 +18,12 @@
     <p:sldId id="312" r:id="rId6"/>
     <p:sldId id="314" r:id="rId7"/>
     <p:sldId id="315" r:id="rId8"/>
+    <p:sldId id="316" r:id="rId9"/>
   </p:sldIdLst>
   <p:sldSz cx="12188825" cy="6858000"/>
   <p:notesSz cx="6858000" cy="9144000"/>
   <p:custDataLst>
-    <p:tags r:id="rId11"/>
+    <p:tags r:id="rId12"/>
   </p:custDataLst>
   <p:defaultTextStyle>
     <a:defPPr>
@@ -141,6 +142,195 @@
 </p:presentation>
 </file>
 
+<file path=ppt/revisionInfo.xml><?xml version="1.0" encoding="utf-8"?>
+<p1510:revInfo xmlns:a="http://schemas.openxmlformats.org/drawingml/2006/main" xmlns:r="http://schemas.openxmlformats.org/officeDocument/2006/relationships" xmlns:p1510="http://schemas.microsoft.com/office/powerpoint/2015/10/main">
+  <p1510:revLst>
+    <p1510:client id="{6C2129DA-3646-0C7E-69CF-9686C58989E8}" v="346" dt="2020-05-24T14:00:05.724"/>
+  </p1510:revLst>
+</p1510:revInfo>
+</file>
+
+<file path=ppt/changesInfos/changesInfo1.xml><?xml version="1.0" encoding="utf-8"?>
+<pc:chgInfo xmlns:a="http://schemas.openxmlformats.org/drawingml/2006/main" xmlns:r="http://schemas.openxmlformats.org/officeDocument/2006/relationships" xmlns:ac="http://schemas.microsoft.com/office/drawing/2013/main/command" xmlns:pc="http://schemas.microsoft.com/office/powerpoint/2013/main/command">
+  <pc:docChgLst>
+    <pc:chgData name="Shivam Panda (021300)" userId="S::shivamp@greenwoodhigh.edu.in::c2dbe561-3f69-4b5a-9269-909c2f300a31" providerId="AD" clId="Web-{6C2129DA-3646-0C7E-69CF-9686C58989E8}"/>
+    <pc:docChg chg="addSld modSld sldOrd">
+      <pc:chgData name="Shivam Panda (021300)" userId="S::shivamp@greenwoodhigh.edu.in::c2dbe561-3f69-4b5a-9269-909c2f300a31" providerId="AD" clId="Web-{6C2129DA-3646-0C7E-69CF-9686C58989E8}" dt="2020-05-24T14:00:05.724" v="335" actId="14100"/>
+      <pc:docMkLst>
+        <pc:docMk/>
+      </pc:docMkLst>
+      <pc:sldChg chg="addSp delSp modSp new ord">
+        <pc:chgData name="Shivam Panda (021300)" userId="S::shivamp@greenwoodhigh.edu.in::c2dbe561-3f69-4b5a-9269-909c2f300a31" providerId="AD" clId="Web-{6C2129DA-3646-0C7E-69CF-9686C58989E8}" dt="2020-05-24T14:00:05.724" v="335" actId="14100"/>
+        <pc:sldMkLst>
+          <pc:docMk/>
+          <pc:sldMk cId="3084195644" sldId="316"/>
+        </pc:sldMkLst>
+        <pc:spChg chg="mod">
+          <ac:chgData name="Shivam Panda (021300)" userId="S::shivamp@greenwoodhigh.edu.in::c2dbe561-3f69-4b5a-9269-909c2f300a31" providerId="AD" clId="Web-{6C2129DA-3646-0C7E-69CF-9686C58989E8}" dt="2020-05-24T13:47:28.199" v="127" actId="20577"/>
+          <ac:spMkLst>
+            <pc:docMk/>
+            <pc:sldMk cId="3084195644" sldId="316"/>
+            <ac:spMk id="2" creationId="{9F32E476-9BD5-4FEC-942F-CADF982ECFB1}"/>
+          </ac:spMkLst>
+        </pc:spChg>
+        <pc:spChg chg="add mod">
+          <ac:chgData name="Shivam Panda (021300)" userId="S::shivamp@greenwoodhigh.edu.in::c2dbe561-3f69-4b5a-9269-909c2f300a31" providerId="AD" clId="Web-{6C2129DA-3646-0C7E-69CF-9686C58989E8}" dt="2020-05-24T13:55:38.700" v="275" actId="1076"/>
+          <ac:spMkLst>
+            <pc:docMk/>
+            <pc:sldMk cId="3084195644" sldId="316"/>
+            <ac:spMk id="3" creationId="{02F9D316-EE0A-42D5-AA31-38143984A603}"/>
+          </ac:spMkLst>
+        </pc:spChg>
+        <pc:spChg chg="add del mod">
+          <ac:chgData name="Shivam Panda (021300)" userId="S::shivamp@greenwoodhigh.edu.in::c2dbe561-3f69-4b5a-9269-909c2f300a31" providerId="AD" clId="Web-{6C2129DA-3646-0C7E-69CF-9686C58989E8}" dt="2020-05-24T13:53:32.586" v="234"/>
+          <ac:spMkLst>
+            <pc:docMk/>
+            <pc:sldMk cId="3084195644" sldId="316"/>
+            <ac:spMk id="4" creationId="{82D4FDB2-692B-4661-88A2-64F3E16C0A15}"/>
+          </ac:spMkLst>
+        </pc:spChg>
+        <pc:spChg chg="add del">
+          <ac:chgData name="Shivam Panda (021300)" userId="S::shivamp@greenwoodhigh.edu.in::c2dbe561-3f69-4b5a-9269-909c2f300a31" providerId="AD" clId="Web-{6C2129DA-3646-0C7E-69CF-9686C58989E8}" dt="2020-05-24T13:50:20.924" v="184"/>
+          <ac:spMkLst>
+            <pc:docMk/>
+            <pc:sldMk cId="3084195644" sldId="316"/>
+            <ac:spMk id="5" creationId="{A4CFB97C-0E9E-4A4E-BB95-6D2C08F711A7}"/>
+          </ac:spMkLst>
+        </pc:spChg>
+        <pc:spChg chg="add del">
+          <ac:chgData name="Shivam Panda (021300)" userId="S::shivamp@greenwoodhigh.edu.in::c2dbe561-3f69-4b5a-9269-909c2f300a31" providerId="AD" clId="Web-{6C2129DA-3646-0C7E-69CF-9686C58989E8}" dt="2020-05-24T13:50:19.455" v="183"/>
+          <ac:spMkLst>
+            <pc:docMk/>
+            <pc:sldMk cId="3084195644" sldId="316"/>
+            <ac:spMk id="6" creationId="{AD39A3FC-56D1-4D13-873D-15961E53F87C}"/>
+          </ac:spMkLst>
+        </pc:spChg>
+        <pc:spChg chg="add del">
+          <ac:chgData name="Shivam Panda (021300)" userId="S::shivamp@greenwoodhigh.edu.in::c2dbe561-3f69-4b5a-9269-909c2f300a31" providerId="AD" clId="Web-{6C2129DA-3646-0C7E-69CF-9686C58989E8}" dt="2020-05-24T13:50:17.361" v="182"/>
+          <ac:spMkLst>
+            <pc:docMk/>
+            <pc:sldMk cId="3084195644" sldId="316"/>
+            <ac:spMk id="7" creationId="{24897744-78CC-4C2A-9E95-D79D797E99AA}"/>
+          </ac:spMkLst>
+        </pc:spChg>
+        <pc:spChg chg="add del">
+          <ac:chgData name="Shivam Panda (021300)" userId="S::shivamp@greenwoodhigh.edu.in::c2dbe561-3f69-4b5a-9269-909c2f300a31" providerId="AD" clId="Web-{6C2129DA-3646-0C7E-69CF-9686C58989E8}" dt="2020-05-24T13:50:15.221" v="181"/>
+          <ac:spMkLst>
+            <pc:docMk/>
+            <pc:sldMk cId="3084195644" sldId="316"/>
+            <ac:spMk id="8" creationId="{73E4378D-BB14-4BA6-A0EE-C7F84624034F}"/>
+          </ac:spMkLst>
+        </pc:spChg>
+        <pc:spChg chg="add del">
+          <ac:chgData name="Shivam Panda (021300)" userId="S::shivamp@greenwoodhigh.edu.in::c2dbe561-3f69-4b5a-9269-909c2f300a31" providerId="AD" clId="Web-{6C2129DA-3646-0C7E-69CF-9686C58989E8}" dt="2020-05-24T13:50:11.767" v="180"/>
+          <ac:spMkLst>
+            <pc:docMk/>
+            <pc:sldMk cId="3084195644" sldId="316"/>
+            <ac:spMk id="9" creationId="{53887B3C-DDF0-4AF5-8F72-5855F8687590}"/>
+          </ac:spMkLst>
+        </pc:spChg>
+        <pc:spChg chg="add del mod">
+          <ac:chgData name="Shivam Panda (021300)" userId="S::shivamp@greenwoodhigh.edu.in::c2dbe561-3f69-4b5a-9269-909c2f300a31" providerId="AD" clId="Web-{6C2129DA-3646-0C7E-69CF-9686C58989E8}" dt="2020-05-24T13:50:07.721" v="179"/>
+          <ac:spMkLst>
+            <pc:docMk/>
+            <pc:sldMk cId="3084195644" sldId="316"/>
+            <ac:spMk id="10" creationId="{A3E4E4EF-6F79-4E88-854D-D6BDE8B1B9BD}"/>
+          </ac:spMkLst>
+        </pc:spChg>
+        <pc:spChg chg="add del mod">
+          <ac:chgData name="Shivam Panda (021300)" userId="S::shivamp@greenwoodhigh.edu.in::c2dbe561-3f69-4b5a-9269-909c2f300a31" providerId="AD" clId="Web-{6C2129DA-3646-0C7E-69CF-9686C58989E8}" dt="2020-05-24T13:52:19.193" v="229"/>
+          <ac:spMkLst>
+            <pc:docMk/>
+            <pc:sldMk cId="3084195644" sldId="316"/>
+            <ac:spMk id="11" creationId="{8E376C55-C641-42C3-B412-3B0BAD9DC9C0}"/>
+          </ac:spMkLst>
+        </pc:spChg>
+        <pc:spChg chg="add mod">
+          <ac:chgData name="Shivam Panda (021300)" userId="S::shivamp@greenwoodhigh.edu.in::c2dbe561-3f69-4b5a-9269-909c2f300a31" providerId="AD" clId="Web-{6C2129DA-3646-0C7E-69CF-9686C58989E8}" dt="2020-05-24T13:54:45.308" v="260" actId="1076"/>
+          <ac:spMkLst>
+            <pc:docMk/>
+            <pc:sldMk cId="3084195644" sldId="316"/>
+            <ac:spMk id="12" creationId="{7D83460A-A958-4C76-88CA-41318EED27A4}"/>
+          </ac:spMkLst>
+        </pc:spChg>
+        <pc:spChg chg="add mod">
+          <ac:chgData name="Shivam Panda (021300)" userId="S::shivamp@greenwoodhigh.edu.in::c2dbe561-3f69-4b5a-9269-909c2f300a31" providerId="AD" clId="Web-{6C2129DA-3646-0C7E-69CF-9686C58989E8}" dt="2020-05-24T13:59:13.191" v="327" actId="1076"/>
+          <ac:spMkLst>
+            <pc:docMk/>
+            <pc:sldMk cId="3084195644" sldId="316"/>
+            <ac:spMk id="13" creationId="{66171837-C997-49E6-9E40-1A0DACADDE34}"/>
+          </ac:spMkLst>
+        </pc:spChg>
+        <pc:spChg chg="add mod">
+          <ac:chgData name="Shivam Panda (021300)" userId="S::shivamp@greenwoodhigh.edu.in::c2dbe561-3f69-4b5a-9269-909c2f300a31" providerId="AD" clId="Web-{6C2129DA-3646-0C7E-69CF-9686C58989E8}" dt="2020-05-24T13:56:17.998" v="297" actId="14100"/>
+          <ac:spMkLst>
+            <pc:docMk/>
+            <pc:sldMk cId="3084195644" sldId="316"/>
+            <ac:spMk id="14" creationId="{B6779D6B-7FDC-4168-B21A-8D872C8F1D50}"/>
+          </ac:spMkLst>
+        </pc:spChg>
+        <pc:spChg chg="add mod">
+          <ac:chgData name="Shivam Panda (021300)" userId="S::shivamp@greenwoodhigh.edu.in::c2dbe561-3f69-4b5a-9269-909c2f300a31" providerId="AD" clId="Web-{6C2129DA-3646-0C7E-69CF-9686C58989E8}" dt="2020-05-24T13:56:46.514" v="309" actId="1076"/>
+          <ac:spMkLst>
+            <pc:docMk/>
+            <pc:sldMk cId="3084195644" sldId="316"/>
+            <ac:spMk id="15" creationId="{EC3E811D-1837-4C3E-A057-357C62C06FF5}"/>
+          </ac:spMkLst>
+        </pc:spChg>
+        <pc:spChg chg="add mod">
+          <ac:chgData name="Shivam Panda (021300)" userId="S::shivamp@greenwoodhigh.edu.in::c2dbe561-3f69-4b5a-9269-909c2f300a31" providerId="AD" clId="Web-{6C2129DA-3646-0C7E-69CF-9686C58989E8}" dt="2020-05-24T13:57:29.969" v="313" actId="20577"/>
+          <ac:spMkLst>
+            <pc:docMk/>
+            <pc:sldMk cId="3084195644" sldId="316"/>
+            <ac:spMk id="16" creationId="{FAD5F560-6958-446E-841E-9F7191D1E1CC}"/>
+          </ac:spMkLst>
+        </pc:spChg>
+        <pc:cxnChg chg="add mod">
+          <ac:chgData name="Shivam Panda (021300)" userId="S::shivamp@greenwoodhigh.edu.in::c2dbe561-3f69-4b5a-9269-909c2f300a31" providerId="AD" clId="Web-{6C2129DA-3646-0C7E-69CF-9686C58989E8}" dt="2020-05-24T13:59:21.800" v="328" actId="14100"/>
+          <ac:cxnSpMkLst>
+            <pc:docMk/>
+            <pc:sldMk cId="3084195644" sldId="316"/>
+            <ac:cxnSpMk id="17" creationId="{54148E05-AB28-4C16-9E7B-501E8730F3FE}"/>
+          </ac:cxnSpMkLst>
+        </pc:cxnChg>
+        <pc:cxnChg chg="add mod">
+          <ac:chgData name="Shivam Panda (021300)" userId="S::shivamp@greenwoodhigh.edu.in::c2dbe561-3f69-4b5a-9269-909c2f300a31" providerId="AD" clId="Web-{6C2129DA-3646-0C7E-69CF-9686C58989E8}" dt="2020-05-24T13:58:51.425" v="322" actId="14100"/>
+          <ac:cxnSpMkLst>
+            <pc:docMk/>
+            <pc:sldMk cId="3084195644" sldId="316"/>
+            <ac:cxnSpMk id="18" creationId="{6B146CC8-3649-4F84-BDC3-8CBCC43D44EF}"/>
+          </ac:cxnSpMkLst>
+        </pc:cxnChg>
+        <pc:cxnChg chg="add mod">
+          <ac:chgData name="Shivam Panda (021300)" userId="S::shivamp@greenwoodhigh.edu.in::c2dbe561-3f69-4b5a-9269-909c2f300a31" providerId="AD" clId="Web-{6C2129DA-3646-0C7E-69CF-9686C58989E8}" dt="2020-05-24T13:59:05.659" v="325" actId="14100"/>
+          <ac:cxnSpMkLst>
+            <pc:docMk/>
+            <pc:sldMk cId="3084195644" sldId="316"/>
+            <ac:cxnSpMk id="19" creationId="{D21EA516-4ED7-4CF9-8750-D66CAA6DD7B9}"/>
+          </ac:cxnSpMkLst>
+        </pc:cxnChg>
+        <pc:cxnChg chg="add mod">
+          <ac:chgData name="Shivam Panda (021300)" userId="S::shivamp@greenwoodhigh.edu.in::c2dbe561-3f69-4b5a-9269-909c2f300a31" providerId="AD" clId="Web-{6C2129DA-3646-0C7E-69CF-9686C58989E8}" dt="2020-05-24T13:59:57.333" v="333" actId="14100"/>
+          <ac:cxnSpMkLst>
+            <pc:docMk/>
+            <pc:sldMk cId="3084195644" sldId="316"/>
+            <ac:cxnSpMk id="20" creationId="{88601AFB-086E-489F-9716-718033C13A2B}"/>
+          </ac:cxnSpMkLst>
+        </pc:cxnChg>
+        <pc:cxnChg chg="add mod">
+          <ac:chgData name="Shivam Panda (021300)" userId="S::shivamp@greenwoodhigh.edu.in::c2dbe561-3f69-4b5a-9269-909c2f300a31" providerId="AD" clId="Web-{6C2129DA-3646-0C7E-69CF-9686C58989E8}" dt="2020-05-24T14:00:05.724" v="335" actId="14100"/>
+          <ac:cxnSpMkLst>
+            <pc:docMk/>
+            <pc:sldMk cId="3084195644" sldId="316"/>
+            <ac:cxnSpMk id="21" creationId="{47717F63-8436-4BC2-854F-996B50E7DF35}"/>
+          </ac:cxnSpMkLst>
+        </pc:cxnChg>
+      </pc:sldChg>
+    </pc:docChg>
+  </pc:docChgLst>
+</pc:chgInfo>
+</file>
+
 <file path=ppt/handoutMasters/handoutMaster1.xml><?xml version="1.0" encoding="utf-8"?>
 <p:handoutMaster xmlns:a="http://schemas.openxmlformats.org/drawingml/2006/main" xmlns:r="http://schemas.openxmlformats.org/officeDocument/2006/relationships" xmlns:p="http://schemas.openxmlformats.org/presentationml/2006/main">
   <p:cSld>
@@ -223,7 +413,7 @@
           <a:p>
             <a:fld id="{59088EAF-6ECA-4616-85EF-35AA19C641F3}" type="datetimeFigureOut">
               <a:rPr lang="en-US"/>
-              <a:t>5/20/2020</a:t>
+              <a:t>5/24/2020</a:t>
             </a:fld>
             <a:endParaRPr/>
           </a:p>
@@ -388,7 +578,7 @@
           <a:p>
             <a:fld id="{3ABD2D7A-D230-4F91-BD59-0A39C2703BA8}" type="datetimeFigureOut">
               <a:rPr lang="en-US"/>
-              <a:t>5/20/2020</a:t>
+              <a:t>5/24/2020</a:t>
             </a:fld>
             <a:endParaRPr/>
           </a:p>
@@ -997,7 +1187,7 @@
           <a:p>
             <a:fld id="{03F41C87-7AD9-4845-A077-840E4A0F3F06}" type="datetimeFigureOut">
               <a:rPr lang="en-US"/>
-              <a:t>5/20/2020</a:t>
+              <a:t>5/24/2020</a:t>
             </a:fld>
             <a:endParaRPr/>
           </a:p>
@@ -1189,7 +1379,7 @@
           <a:p>
             <a:fld id="{03F41C87-7AD9-4845-A077-840E4A0F3F06}" type="datetimeFigureOut">
               <a:rPr lang="en-US"/>
-              <a:t>5/20/2020</a:t>
+              <a:t>5/24/2020</a:t>
             </a:fld>
             <a:endParaRPr/>
           </a:p>
@@ -1378,7 +1568,7 @@
           <a:p>
             <a:fld id="{03F41C87-7AD9-4845-A077-840E4A0F3F06}" type="datetimeFigureOut">
               <a:rPr lang="en-US"/>
-              <a:t>5/20/2020</a:t>
+              <a:t>5/24/2020</a:t>
             </a:fld>
             <a:endParaRPr/>
           </a:p>
@@ -1658,7 +1848,7 @@
           <a:p>
             <a:fld id="{03F41C87-7AD9-4845-A077-840E4A0F3F06}" type="datetimeFigureOut">
               <a:rPr lang="en-US"/>
-              <a:t>5/20/2020</a:t>
+              <a:t>5/24/2020</a:t>
             </a:fld>
             <a:endParaRPr/>
           </a:p>
@@ -1962,7 +2152,7 @@
           <a:p>
             <a:fld id="{03F41C87-7AD9-4845-A077-840E4A0F3F06}" type="datetimeFigureOut">
               <a:rPr lang="en-US"/>
-              <a:t>5/20/2020</a:t>
+              <a:t>5/24/2020</a:t>
             </a:fld>
             <a:endParaRPr/>
           </a:p>
@@ -2418,7 +2608,7 @@
           <a:p>
             <a:fld id="{03F41C87-7AD9-4845-A077-840E4A0F3F06}" type="datetimeFigureOut">
               <a:rPr lang="en-US"/>
-              <a:t>5/20/2020</a:t>
+              <a:t>5/24/2020</a:t>
             </a:fld>
             <a:endParaRPr/>
           </a:p>
@@ -2548,7 +2738,7 @@
           <a:p>
             <a:fld id="{03F41C87-7AD9-4845-A077-840E4A0F3F06}" type="datetimeFigureOut">
               <a:rPr lang="en-US"/>
-              <a:t>5/20/2020</a:t>
+              <a:t>5/24/2020</a:t>
             </a:fld>
             <a:endParaRPr/>
           </a:p>
@@ -2663,7 +2853,7 @@
           <a:p>
             <a:fld id="{03F41C87-7AD9-4845-A077-840E4A0F3F06}" type="datetimeFigureOut">
               <a:rPr lang="en-US"/>
-              <a:t>5/20/2020</a:t>
+              <a:t>5/24/2020</a:t>
             </a:fld>
             <a:endParaRPr/>
           </a:p>
@@ -2985,7 +3175,7 @@
           <a:p>
             <a:fld id="{03F41C87-7AD9-4845-A077-840E4A0F3F06}" type="datetimeFigureOut">
               <a:rPr lang="en-US"/>
-              <a:t>5/20/2020</a:t>
+              <a:t>5/24/2020</a:t>
             </a:fld>
             <a:endParaRPr/>
           </a:p>
@@ -3297,7 +3487,7 @@
             <a:fld id="{03F41C87-7AD9-4845-A077-840E4A0F3F06}" type="datetimeFigureOut">
               <a:rPr lang="en-US"/>
               <a:pPr/>
-              <a:t>5/20/2020</a:t>
+              <a:t>5/24/2020</a:t>
             </a:fld>
             <a:endParaRPr/>
           </a:p>
@@ -3551,7 +3741,7 @@
             <a:fld id="{03F41C87-7AD9-4845-A077-840E4A0F3F06}" type="datetimeFigureOut">
               <a:rPr lang="en-US" smtClean="0"/>
               <a:pPr/>
-              <a:t>5/20/2020</a:t>
+              <a:t>5/24/2020</a:t>
             </a:fld>
             <a:endParaRPr lang="en-US"/>
           </a:p>
@@ -6001,6 +6191,581 @@
     <p:extLst>
       <p:ext uri="{BB962C8B-B14F-4D97-AF65-F5344CB8AC3E}">
         <p14:creationId xmlns:p14="http://schemas.microsoft.com/office/powerpoint/2010/main" val="2681425051"/>
+      </p:ext>
+    </p:extLst>
+  </p:cSld>
+  <p:clrMapOvr>
+    <a:masterClrMapping/>
+  </p:clrMapOvr>
+  <mc:AlternateContent xmlns:mc="http://schemas.openxmlformats.org/markup-compatibility/2006" xmlns:p14="http://schemas.microsoft.com/office/powerpoint/2010/main">
+    <mc:Choice Requires="p14">
+      <p:transition spd="med" p14:dur="700">
+        <p:fade/>
+      </p:transition>
+    </mc:Choice>
+    <mc:Fallback xmlns="">
+      <p:transition spd="med">
+        <p:fade/>
+      </p:transition>
+    </mc:Fallback>
+  </mc:AlternateContent>
+</p:sld>
+</file>
+
+<file path=ppt/slides/slide8.xml><?xml version="1.0" encoding="utf-8"?>
+<p:sld xmlns:a="http://schemas.openxmlformats.org/drawingml/2006/main" xmlns:r="http://schemas.openxmlformats.org/officeDocument/2006/relationships" xmlns:p="http://schemas.openxmlformats.org/presentationml/2006/main">
+  <p:cSld>
+    <p:spTree>
+      <p:nvGrpSpPr>
+        <p:cNvPr id="1" name=""/>
+        <p:cNvGrpSpPr/>
+        <p:nvPr/>
+      </p:nvGrpSpPr>
+      <p:grpSpPr>
+        <a:xfrm>
+          <a:off x="0" y="0"/>
+          <a:ext cx="0" cy="0"/>
+          <a:chOff x="0" y="0"/>
+          <a:chExt cx="0" cy="0"/>
+        </a:xfrm>
+      </p:grpSpPr>
+      <p:sp>
+        <p:nvSpPr>
+          <p:cNvPr id="2" name="Title 1">
+            <a:extLst>
+              <a:ext uri="{FF2B5EF4-FFF2-40B4-BE49-F238E27FC236}">
+                <a16:creationId xmlns:a16="http://schemas.microsoft.com/office/drawing/2014/main" id="{9F32E476-9BD5-4FEC-942F-CADF982ECFB1}"/>
+              </a:ext>
+            </a:extLst>
+          </p:cNvPr>
+          <p:cNvSpPr>
+            <a:spLocks noGrp="1"/>
+          </p:cNvSpPr>
+          <p:nvPr>
+            <p:ph type="title"/>
+          </p:nvPr>
+        </p:nvSpPr>
+        <p:spPr/>
+        <p:txBody>
+          <a:bodyPr/>
+          <a:lstStyle/>
+          <a:p>
+            <a:r>
+              <a:rPr lang="en-US" dirty="0"/>
+              <a:t>S6: Functions for Selecting Type of Leave</a:t>
+            </a:r>
+          </a:p>
+        </p:txBody>
+      </p:sp>
+      <p:sp>
+        <p:nvSpPr>
+          <p:cNvPr id="3" name="Rectangle 2">
+            <a:extLst>
+              <a:ext uri="{FF2B5EF4-FFF2-40B4-BE49-F238E27FC236}">
+                <a16:creationId xmlns:a16="http://schemas.microsoft.com/office/drawing/2014/main" id="{02F9D316-EE0A-42D5-AA31-38143984A603}"/>
+              </a:ext>
+            </a:extLst>
+          </p:cNvPr>
+          <p:cNvSpPr/>
+          <p:nvPr/>
+        </p:nvSpPr>
+        <p:spPr>
+          <a:xfrm>
+            <a:off x="4513687" y="2112187"/>
+            <a:ext cx="2625179" cy="859612"/>
+          </a:xfrm>
+          <a:prstGeom prst="rect">
+            <a:avLst/>
+          </a:prstGeom>
+        </p:spPr>
+        <p:style>
+          <a:lnRef idx="2">
+            <a:schemeClr val="accent3">
+              <a:shade val="50000"/>
+            </a:schemeClr>
+          </a:lnRef>
+          <a:fillRef idx="1">
+            <a:schemeClr val="accent3"/>
+          </a:fillRef>
+          <a:effectRef idx="0">
+            <a:schemeClr val="accent3"/>
+          </a:effectRef>
+          <a:fontRef idx="minor">
+            <a:schemeClr val="lt1"/>
+          </a:fontRef>
+        </p:style>
+        <p:txBody>
+          <a:bodyPr rtlCol="0" anchor="ctr"/>
+          <a:lstStyle/>
+          <a:p>
+            <a:pPr algn="ctr"/>
+            <a:r>
+              <a:rPr lang="en-US" dirty="0"/>
+              <a:t>Dropdown list/</a:t>
+            </a:r>
+            <a:r>
+              <a:rPr lang="en-US" dirty="0" err="1"/>
+              <a:t>CharField</a:t>
+            </a:r>
+            <a:r>
+              <a:rPr lang="en-US" dirty="0"/>
+              <a:t> for entering type of leave</a:t>
+            </a:r>
+          </a:p>
+        </p:txBody>
+      </p:sp>
+      <p:sp>
+        <p:nvSpPr>
+          <p:cNvPr id="12" name="Oval 11">
+            <a:extLst>
+              <a:ext uri="{FF2B5EF4-FFF2-40B4-BE49-F238E27FC236}">
+                <a16:creationId xmlns:a16="http://schemas.microsoft.com/office/drawing/2014/main" id="{7D83460A-A958-4C76-88CA-41318EED27A4}"/>
+              </a:ext>
+            </a:extLst>
+          </p:cNvPr>
+          <p:cNvSpPr/>
+          <p:nvPr/>
+        </p:nvSpPr>
+        <p:spPr>
+          <a:xfrm>
+            <a:off x="815175" y="3673186"/>
+            <a:ext cx="2228641" cy="765148"/>
+          </a:xfrm>
+          <a:prstGeom prst="ellipse">
+            <a:avLst/>
+          </a:prstGeom>
+        </p:spPr>
+        <p:style>
+          <a:lnRef idx="2">
+            <a:schemeClr val="accent1">
+              <a:shade val="50000"/>
+            </a:schemeClr>
+          </a:lnRef>
+          <a:fillRef idx="1">
+            <a:schemeClr val="accent1"/>
+          </a:fillRef>
+          <a:effectRef idx="0">
+            <a:schemeClr val="accent1"/>
+          </a:effectRef>
+          <a:fontRef idx="minor">
+            <a:schemeClr val="lt1"/>
+          </a:fontRef>
+        </p:style>
+        <p:txBody>
+          <a:bodyPr rtlCol="0" anchor="ctr"/>
+          <a:lstStyle/>
+          <a:p>
+            <a:pPr algn="ctr"/>
+            <a:r>
+              <a:rPr lang="en-US" dirty="0"/>
+              <a:t>Accumulation of Leaves</a:t>
+            </a:r>
+          </a:p>
+        </p:txBody>
+      </p:sp>
+      <p:sp>
+        <p:nvSpPr>
+          <p:cNvPr id="13" name="Oval 12">
+            <a:extLst>
+              <a:ext uri="{FF2B5EF4-FFF2-40B4-BE49-F238E27FC236}">
+                <a16:creationId xmlns:a16="http://schemas.microsoft.com/office/drawing/2014/main" id="{66171837-C997-49E6-9E40-1A0DACADDE34}"/>
+              </a:ext>
+            </a:extLst>
+          </p:cNvPr>
+          <p:cNvSpPr/>
+          <p:nvPr/>
+        </p:nvSpPr>
+        <p:spPr>
+          <a:xfrm>
+            <a:off x="4762927" y="3948308"/>
+            <a:ext cx="2124786" cy="765149"/>
+          </a:xfrm>
+          <a:prstGeom prst="ellipse">
+            <a:avLst/>
+          </a:prstGeom>
+        </p:spPr>
+        <p:style>
+          <a:lnRef idx="2">
+            <a:schemeClr val="accent1">
+              <a:shade val="50000"/>
+            </a:schemeClr>
+          </a:lnRef>
+          <a:fillRef idx="1">
+            <a:schemeClr val="accent1"/>
+          </a:fillRef>
+          <a:effectRef idx="0">
+            <a:schemeClr val="accent1"/>
+          </a:effectRef>
+          <a:fontRef idx="minor">
+            <a:schemeClr val="lt1"/>
+          </a:fontRef>
+        </p:style>
+        <p:txBody>
+          <a:bodyPr rtlCol="0" anchor="ctr"/>
+          <a:lstStyle/>
+          <a:p>
+            <a:pPr algn="ctr"/>
+            <a:r>
+              <a:rPr lang="en-US" dirty="0"/>
+              <a:t>Eligibility For Leave</a:t>
+            </a:r>
+          </a:p>
+        </p:txBody>
+      </p:sp>
+      <p:sp>
+        <p:nvSpPr>
+          <p:cNvPr id="14" name="Oval 13">
+            <a:extLst>
+              <a:ext uri="{FF2B5EF4-FFF2-40B4-BE49-F238E27FC236}">
+                <a16:creationId xmlns:a16="http://schemas.microsoft.com/office/drawing/2014/main" id="{B6779D6B-7FDC-4168-B21A-8D872C8F1D50}"/>
+              </a:ext>
+            </a:extLst>
+          </p:cNvPr>
+          <p:cNvSpPr/>
+          <p:nvPr/>
+        </p:nvSpPr>
+        <p:spPr>
+          <a:xfrm>
+            <a:off x="8635147" y="3722777"/>
+            <a:ext cx="2134227" cy="765150"/>
+          </a:xfrm>
+          <a:prstGeom prst="ellipse">
+            <a:avLst/>
+          </a:prstGeom>
+        </p:spPr>
+        <p:style>
+          <a:lnRef idx="2">
+            <a:schemeClr val="accent1">
+              <a:shade val="50000"/>
+            </a:schemeClr>
+          </a:lnRef>
+          <a:fillRef idx="1">
+            <a:schemeClr val="accent1"/>
+          </a:fillRef>
+          <a:effectRef idx="0">
+            <a:schemeClr val="accent1"/>
+          </a:effectRef>
+          <a:fontRef idx="minor">
+            <a:schemeClr val="lt1"/>
+          </a:fontRef>
+        </p:style>
+        <p:txBody>
+          <a:bodyPr rtlCol="0" anchor="ctr"/>
+          <a:lstStyle/>
+          <a:p>
+            <a:pPr algn="ctr"/>
+            <a:r>
+              <a:rPr lang="en-US" dirty="0"/>
+              <a:t>Notice Period</a:t>
+            </a:r>
+          </a:p>
+        </p:txBody>
+      </p:sp>
+      <p:sp>
+        <p:nvSpPr>
+          <p:cNvPr id="15" name="Oval 14">
+            <a:extLst>
+              <a:ext uri="{FF2B5EF4-FFF2-40B4-BE49-F238E27FC236}">
+                <a16:creationId xmlns:a16="http://schemas.microsoft.com/office/drawing/2014/main" id="{EC3E811D-1837-4C3E-A057-357C62C06FF5}"/>
+              </a:ext>
+            </a:extLst>
+          </p:cNvPr>
+          <p:cNvSpPr/>
+          <p:nvPr/>
+        </p:nvSpPr>
+        <p:spPr>
+          <a:xfrm>
+            <a:off x="2861574" y="5139720"/>
+            <a:ext cx="2134227" cy="765150"/>
+          </a:xfrm>
+          <a:prstGeom prst="ellipse">
+            <a:avLst/>
+          </a:prstGeom>
+        </p:spPr>
+        <p:style>
+          <a:lnRef idx="2">
+            <a:schemeClr val="accent1">
+              <a:shade val="50000"/>
+            </a:schemeClr>
+          </a:lnRef>
+          <a:fillRef idx="1">
+            <a:schemeClr val="accent1"/>
+          </a:fillRef>
+          <a:effectRef idx="0">
+            <a:schemeClr val="accent1"/>
+          </a:effectRef>
+          <a:fontRef idx="minor">
+            <a:schemeClr val="lt1"/>
+          </a:fontRef>
+        </p:style>
+        <p:txBody>
+          <a:bodyPr rtlCol="0" anchor="ctr"/>
+          <a:lstStyle/>
+          <a:p>
+            <a:pPr algn="ctr"/>
+            <a:r>
+              <a:rPr lang="en-US" dirty="0"/>
+              <a:t>Frequency Limit</a:t>
+            </a:r>
+          </a:p>
+        </p:txBody>
+      </p:sp>
+      <p:sp>
+        <p:nvSpPr>
+          <p:cNvPr id="16" name="Oval 15">
+            <a:extLst>
+              <a:ext uri="{FF2B5EF4-FFF2-40B4-BE49-F238E27FC236}">
+                <a16:creationId xmlns:a16="http://schemas.microsoft.com/office/drawing/2014/main" id="{FAD5F560-6958-446E-841E-9F7191D1E1CC}"/>
+              </a:ext>
+            </a:extLst>
+          </p:cNvPr>
+          <p:cNvSpPr/>
+          <p:nvPr/>
+        </p:nvSpPr>
+        <p:spPr>
+          <a:xfrm>
+            <a:off x="6893118" y="5101934"/>
+            <a:ext cx="2134227" cy="765150"/>
+          </a:xfrm>
+          <a:prstGeom prst="ellipse">
+            <a:avLst/>
+          </a:prstGeom>
+        </p:spPr>
+        <p:style>
+          <a:lnRef idx="2">
+            <a:schemeClr val="accent1">
+              <a:shade val="50000"/>
+            </a:schemeClr>
+          </a:lnRef>
+          <a:fillRef idx="1">
+            <a:schemeClr val="accent1"/>
+          </a:fillRef>
+          <a:effectRef idx="0">
+            <a:schemeClr val="accent1"/>
+          </a:effectRef>
+          <a:fontRef idx="minor">
+            <a:schemeClr val="lt1"/>
+          </a:fontRef>
+        </p:style>
+        <p:txBody>
+          <a:bodyPr rtlCol="0" anchor="ctr"/>
+          <a:lstStyle/>
+          <a:p>
+            <a:pPr algn="ctr"/>
+            <a:r>
+              <a:rPr lang="en-US"/>
+              <a:t>Leave Interavtivity</a:t>
+            </a:r>
+          </a:p>
+        </p:txBody>
+      </p:sp>
+      <p:cxnSp>
+        <p:nvCxnSpPr>
+          <p:cNvPr id="17" name="Straight Arrow Connector 16">
+            <a:extLst>
+              <a:ext uri="{FF2B5EF4-FFF2-40B4-BE49-F238E27FC236}">
+                <a16:creationId xmlns:a16="http://schemas.microsoft.com/office/drawing/2014/main" id="{54148E05-AB28-4C16-9E7B-501E8730F3FE}"/>
+              </a:ext>
+            </a:extLst>
+          </p:cNvPr>
+          <p:cNvCxnSpPr/>
+          <p:nvPr/>
+        </p:nvCxnSpPr>
+        <p:spPr>
+          <a:xfrm flipH="1">
+            <a:off x="5802572" y="3015458"/>
+            <a:ext cx="10856" cy="933292"/>
+          </a:xfrm>
+          <a:prstGeom prst="straightConnector1">
+            <a:avLst/>
+          </a:prstGeom>
+          <a:ln>
+            <a:tailEnd type="triangle"/>
+          </a:ln>
+        </p:spPr>
+        <p:style>
+          <a:lnRef idx="1">
+            <a:schemeClr val="accent1"/>
+          </a:lnRef>
+          <a:fillRef idx="0">
+            <a:schemeClr val="accent1"/>
+          </a:fillRef>
+          <a:effectRef idx="0">
+            <a:schemeClr val="accent1"/>
+          </a:effectRef>
+          <a:fontRef idx="minor">
+            <a:schemeClr val="tx1"/>
+          </a:fontRef>
+        </p:style>
+      </p:cxnSp>
+      <p:cxnSp>
+        <p:nvCxnSpPr>
+          <p:cNvPr id="18" name="Straight Arrow Connector 17">
+            <a:extLst>
+              <a:ext uri="{FF2B5EF4-FFF2-40B4-BE49-F238E27FC236}">
+                <a16:creationId xmlns:a16="http://schemas.microsoft.com/office/drawing/2014/main" id="{6B146CC8-3649-4F84-BDC3-8CBCC43D44EF}"/>
+              </a:ext>
+            </a:extLst>
+          </p:cNvPr>
+          <p:cNvCxnSpPr>
+            <a:cxnSpLocks/>
+          </p:cNvCxnSpPr>
+          <p:nvPr/>
+        </p:nvCxnSpPr>
+        <p:spPr>
+          <a:xfrm flipH="1">
+            <a:off x="1849752" y="2958812"/>
+            <a:ext cx="4023443" cy="716028"/>
+          </a:xfrm>
+          <a:prstGeom prst="straightConnector1">
+            <a:avLst/>
+          </a:prstGeom>
+          <a:ln>
+            <a:tailEnd type="triangle"/>
+          </a:ln>
+        </p:spPr>
+        <p:style>
+          <a:lnRef idx="1">
+            <a:schemeClr val="accent1"/>
+          </a:lnRef>
+          <a:fillRef idx="0">
+            <a:schemeClr val="accent1"/>
+          </a:fillRef>
+          <a:effectRef idx="0">
+            <a:schemeClr val="accent1"/>
+          </a:effectRef>
+          <a:fontRef idx="minor">
+            <a:schemeClr val="tx1"/>
+          </a:fontRef>
+        </p:style>
+      </p:cxnSp>
+      <p:cxnSp>
+        <p:nvCxnSpPr>
+          <p:cNvPr id="19" name="Straight Arrow Connector 18">
+            <a:extLst>
+              <a:ext uri="{FF2B5EF4-FFF2-40B4-BE49-F238E27FC236}">
+                <a16:creationId xmlns:a16="http://schemas.microsoft.com/office/drawing/2014/main" id="{D21EA516-4ED7-4CF9-8750-D66CAA6DD7B9}"/>
+              </a:ext>
+            </a:extLst>
+          </p:cNvPr>
+          <p:cNvCxnSpPr>
+            <a:cxnSpLocks/>
+          </p:cNvCxnSpPr>
+          <p:nvPr/>
+        </p:nvCxnSpPr>
+        <p:spPr>
+          <a:xfrm flipH="1">
+            <a:off x="3870257" y="2996565"/>
+            <a:ext cx="1955781" cy="2104631"/>
+          </a:xfrm>
+          <a:prstGeom prst="straightConnector1">
+            <a:avLst/>
+          </a:prstGeom>
+          <a:ln>
+            <a:tailEnd type="triangle"/>
+          </a:ln>
+        </p:spPr>
+        <p:style>
+          <a:lnRef idx="1">
+            <a:schemeClr val="accent1"/>
+          </a:lnRef>
+          <a:fillRef idx="0">
+            <a:schemeClr val="accent1"/>
+          </a:fillRef>
+          <a:effectRef idx="0">
+            <a:schemeClr val="accent1"/>
+          </a:effectRef>
+          <a:fontRef idx="minor">
+            <a:schemeClr val="tx1"/>
+          </a:fontRef>
+        </p:style>
+      </p:cxnSp>
+      <p:cxnSp>
+        <p:nvCxnSpPr>
+          <p:cNvPr id="20" name="Straight Arrow Connector 19">
+            <a:extLst>
+              <a:ext uri="{FF2B5EF4-FFF2-40B4-BE49-F238E27FC236}">
+                <a16:creationId xmlns:a16="http://schemas.microsoft.com/office/drawing/2014/main" id="{88601AFB-086E-489F-9716-718033C13A2B}"/>
+              </a:ext>
+            </a:extLst>
+          </p:cNvPr>
+          <p:cNvCxnSpPr>
+            <a:cxnSpLocks/>
+          </p:cNvCxnSpPr>
+          <p:nvPr/>
+        </p:nvCxnSpPr>
+        <p:spPr>
+          <a:xfrm>
+            <a:off x="5788336" y="2949335"/>
+            <a:ext cx="2019040" cy="2123521"/>
+          </a:xfrm>
+          <a:prstGeom prst="straightConnector1">
+            <a:avLst/>
+          </a:prstGeom>
+          <a:ln>
+            <a:tailEnd type="triangle"/>
+          </a:ln>
+        </p:spPr>
+        <p:style>
+          <a:lnRef idx="1">
+            <a:schemeClr val="accent1"/>
+          </a:lnRef>
+          <a:fillRef idx="0">
+            <a:schemeClr val="accent1"/>
+          </a:fillRef>
+          <a:effectRef idx="0">
+            <a:schemeClr val="accent1"/>
+          </a:effectRef>
+          <a:fontRef idx="minor">
+            <a:schemeClr val="tx1"/>
+          </a:fontRef>
+        </p:style>
+      </p:cxnSp>
+      <p:cxnSp>
+        <p:nvCxnSpPr>
+          <p:cNvPr id="21" name="Straight Arrow Connector 20">
+            <a:extLst>
+              <a:ext uri="{FF2B5EF4-FFF2-40B4-BE49-F238E27FC236}">
+                <a16:creationId xmlns:a16="http://schemas.microsoft.com/office/drawing/2014/main" id="{47717F63-8436-4BC2-854F-996B50E7DF35}"/>
+              </a:ext>
+            </a:extLst>
+          </p:cNvPr>
+          <p:cNvCxnSpPr>
+            <a:cxnSpLocks/>
+          </p:cNvCxnSpPr>
+          <p:nvPr/>
+        </p:nvCxnSpPr>
+        <p:spPr>
+          <a:xfrm>
+            <a:off x="5797850" y="2987119"/>
+            <a:ext cx="574509" cy="1528407"/>
+          </a:xfrm>
+          <a:prstGeom prst="straightConnector1">
+            <a:avLst/>
+          </a:prstGeom>
+          <a:ln>
+            <a:tailEnd type="triangle"/>
+          </a:ln>
+        </p:spPr>
+        <p:style>
+          <a:lnRef idx="1">
+            <a:schemeClr val="accent1"/>
+          </a:lnRef>
+          <a:fillRef idx="0">
+            <a:schemeClr val="accent1"/>
+          </a:fillRef>
+          <a:effectRef idx="0">
+            <a:schemeClr val="accent1"/>
+          </a:effectRef>
+          <a:fontRef idx="minor">
+            <a:schemeClr val="tx1"/>
+          </a:fontRef>
+        </p:style>
+      </p:cxnSp>
+    </p:spTree>
+    <p:extLst>
+      <p:ext uri="{BB962C8B-B14F-4D97-AF65-F5344CB8AC3E}">
+        <p14:creationId xmlns:p14="http://schemas.microsoft.com/office/powerpoint/2010/main" val="3084195644"/>
       </p:ext>
     </p:extLst>
   </p:cSld>
